--- a/Code for Bharat Number Nugets Team 5.pptx
+++ b/Code for Bharat Number Nugets Team 5.pptx
@@ -14,8 +14,8 @@
     <p:sldId id="271" r:id="rId5"/>
     <p:sldId id="272" r:id="rId6"/>
     <p:sldId id="273" r:id="rId7"/>
-    <p:sldId id="274" r:id="rId8"/>
-    <p:sldId id="275" r:id="rId9"/>
+    <p:sldId id="275" r:id="rId8"/>
+    <p:sldId id="277" r:id="rId9"/>
     <p:sldId id="276" r:id="rId10"/>
   </p:sldIdLst>
   <p:sldSz cx="12192000" cy="6858000"/>
@@ -129,6 +129,65 @@
     <p1510:client id="{CC693D84-7DC0-43F5-87B2-ECF4DD8BE162}" v="88" dt="2025-05-14T12:09:58.118"/>
   </p1510:revLst>
 </p1510:revInfo>
+</file>
+
+<file path=ppt/changesInfos/changesInfo1.xml><?xml version="1.0" encoding="utf-8"?>
+<pc:chgInfo xmlns:a="http://schemas.openxmlformats.org/drawingml/2006/main" xmlns:r="http://schemas.openxmlformats.org/officeDocument/2006/relationships" xmlns:ac="http://schemas.microsoft.com/office/drawing/2013/main/command" xmlns:pc="http://schemas.microsoft.com/office/powerpoint/2013/main/command">
+  <pc:docChgLst>
+    <pc:chgData name="Shruti Rani" userId="1d79e34810676951" providerId="LiveId" clId="{83A3D394-BCD7-40B7-B31F-A41927A096D1}"/>
+    <pc:docChg chg="custSel addSld delSld modSld">
+      <pc:chgData name="Shruti Rani" userId="1d79e34810676951" providerId="LiveId" clId="{83A3D394-BCD7-40B7-B31F-A41927A096D1}" dt="2025-05-14T12:48:13.955" v="17" actId="14100"/>
+      <pc:docMkLst>
+        <pc:docMk/>
+      </pc:docMkLst>
+      <pc:sldChg chg="del">
+        <pc:chgData name="Shruti Rani" userId="1d79e34810676951" providerId="LiveId" clId="{83A3D394-BCD7-40B7-B31F-A41927A096D1}" dt="2025-05-14T12:46:07.851" v="8" actId="2696"/>
+        <pc:sldMkLst>
+          <pc:docMk/>
+          <pc:sldMk cId="655126578" sldId="274"/>
+        </pc:sldMkLst>
+      </pc:sldChg>
+      <pc:sldChg chg="addSp delSp modSp mod">
+        <pc:chgData name="Shruti Rani" userId="1d79e34810676951" providerId="LiveId" clId="{83A3D394-BCD7-40B7-B31F-A41927A096D1}" dt="2025-05-14T12:48:13.955" v="17" actId="14100"/>
+        <pc:sldMkLst>
+          <pc:docMk/>
+          <pc:sldMk cId="1512195436" sldId="275"/>
+        </pc:sldMkLst>
+        <pc:picChg chg="add del mod">
+          <ac:chgData name="Shruti Rani" userId="1d79e34810676951" providerId="LiveId" clId="{83A3D394-BCD7-40B7-B31F-A41927A096D1}" dt="2025-05-14T12:46:30.484" v="10" actId="21"/>
+          <ac:picMkLst>
+            <pc:docMk/>
+            <pc:sldMk cId="1512195436" sldId="275"/>
+            <ac:picMk id="7" creationId="{811E1D45-1490-B068-EB46-FA64CB3AF290}"/>
+          </ac:picMkLst>
+        </pc:picChg>
+        <pc:picChg chg="add mod">
+          <ac:chgData name="Shruti Rani" userId="1d79e34810676951" providerId="LiveId" clId="{83A3D394-BCD7-40B7-B31F-A41927A096D1}" dt="2025-05-14T12:48:13.955" v="17" actId="14100"/>
+          <ac:picMkLst>
+            <pc:docMk/>
+            <pc:sldMk cId="1512195436" sldId="275"/>
+            <ac:picMk id="10" creationId="{576C4925-24CF-6F2A-476C-06700377290E}"/>
+          </ac:picMkLst>
+        </pc:picChg>
+        <pc:picChg chg="del">
+          <ac:chgData name="Shruti Rani" userId="1d79e34810676951" providerId="LiveId" clId="{83A3D394-BCD7-40B7-B31F-A41927A096D1}" dt="2025-05-14T12:46:24.194" v="9" actId="21"/>
+          <ac:picMkLst>
+            <pc:docMk/>
+            <pc:sldMk cId="1512195436" sldId="275"/>
+            <ac:picMk id="11" creationId="{A82BCDB0-DFEE-5BF1-5C24-AB760F558B1C}"/>
+          </ac:picMkLst>
+        </pc:picChg>
+      </pc:sldChg>
+      <pc:sldChg chg="add">
+        <pc:chgData name="Shruti Rani" userId="1d79e34810676951" providerId="LiveId" clId="{83A3D394-BCD7-40B7-B31F-A41927A096D1}" dt="2025-05-14T12:45:43.123" v="7" actId="2890"/>
+        <pc:sldMkLst>
+          <pc:docMk/>
+          <pc:sldMk cId="1867568153" sldId="277"/>
+        </pc:sldMkLst>
+      </pc:sldChg>
+    </pc:docChg>
+  </pc:docChgLst>
+</pc:chgInfo>
 </file>
 
 <file path=ppt/notesMasters/notesMaster1.xml><?xml version="1.0" encoding="utf-8"?>
@@ -6256,7 +6315,7 @@
           <p:cNvPr id="2" name="Title 1">
             <a:extLst>
               <a:ext uri="{FF2B5EF4-FFF2-40B4-BE49-F238E27FC236}">
-                <a16:creationId xmlns:a16="http://schemas.microsoft.com/office/drawing/2014/main" id="{482D4327-3FAB-0830-5664-128A70C5058F}"/>
+                <a16:creationId xmlns:a16="http://schemas.microsoft.com/office/drawing/2014/main" id="{5EE9F8D2-BB7A-A114-D826-37775F2BB9A5}"/>
               </a:ext>
             </a:extLst>
           </p:cNvPr>
@@ -6278,10 +6337,35 @@
       </p:sp>
       <p:sp>
         <p:nvSpPr>
+          <p:cNvPr id="3" name="Content Placeholder 2">
+            <a:extLst>
+              <a:ext uri="{FF2B5EF4-FFF2-40B4-BE49-F238E27FC236}">
+                <a16:creationId xmlns:a16="http://schemas.microsoft.com/office/drawing/2014/main" id="{27268FBA-1882-4AA5-8E32-8D02F2829E2F}"/>
+              </a:ext>
+            </a:extLst>
+          </p:cNvPr>
+          <p:cNvSpPr>
+            <a:spLocks noGrp="1"/>
+          </p:cNvSpPr>
+          <p:nvPr>
+            <p:ph idx="1"/>
+          </p:nvPr>
+        </p:nvSpPr>
+        <p:spPr/>
+        <p:txBody>
+          <a:bodyPr/>
+          <a:lstStyle/>
+          <a:p>
+            <a:endParaRPr lang="en-US"/>
+          </a:p>
+        </p:txBody>
+      </p:sp>
+      <p:sp>
+        <p:nvSpPr>
           <p:cNvPr id="4" name="Date Placeholder 3">
             <a:extLst>
               <a:ext uri="{FF2B5EF4-FFF2-40B4-BE49-F238E27FC236}">
-                <a16:creationId xmlns:a16="http://schemas.microsoft.com/office/drawing/2014/main" id="{6A944D74-7B7A-6D0B-CDF1-30D7086124DD}"/>
+                <a16:creationId xmlns:a16="http://schemas.microsoft.com/office/drawing/2014/main" id="{0A550F56-56C6-620A-6818-76F654E305F0}"/>
               </a:ext>
             </a:extLst>
           </p:cNvPr>
@@ -6310,7 +6394,7 @@
           <p:cNvPr id="5" name="Slide Number Placeholder 4">
             <a:extLst>
               <a:ext uri="{FF2B5EF4-FFF2-40B4-BE49-F238E27FC236}">
-                <a16:creationId xmlns:a16="http://schemas.microsoft.com/office/drawing/2014/main" id="{2457CFFF-35FD-F66C-6ADD-7D014F9E2EEF}"/>
+                <a16:creationId xmlns:a16="http://schemas.microsoft.com/office/drawing/2014/main" id="{312F9D8E-8679-5283-44D5-4D2045347B03}"/>
               </a:ext>
             </a:extLst>
           </p:cNvPr>
@@ -6329,233 +6413,6 @@
             <a:fld id="{3CCCCD15-A91D-4933-83FC-B538C647448D}" type="slidenum">
               <a:rPr lang="en-IN" smtClean="0"/>
               <a:t>7</a:t>
-            </a:fld>
-            <a:endParaRPr lang="en-IN"/>
-          </a:p>
-        </p:txBody>
-      </p:sp>
-      <p:pic>
-        <p:nvPicPr>
-          <p:cNvPr id="7170" name="Picture 2" descr="White Child Cute Cute Kid Nature Rain Powerpoint Background For Free  Download - Slidesdocs">
-            <a:extLst>
-              <a:ext uri="{FF2B5EF4-FFF2-40B4-BE49-F238E27FC236}">
-                <a16:creationId xmlns:a16="http://schemas.microsoft.com/office/drawing/2014/main" id="{A0B04D3C-02AA-80F1-27D3-AA774B80DF01}"/>
-              </a:ext>
-            </a:extLst>
-          </p:cNvPr>
-          <p:cNvPicPr>
-            <a:picLocks noGrp="1" noChangeAspect="1" noChangeArrowheads="1"/>
-          </p:cNvPicPr>
-          <p:nvPr>
-            <p:ph idx="1"/>
-          </p:nvPr>
-        </p:nvPicPr>
-        <p:blipFill>
-          <a:blip r:embed="rId2">
-            <a:extLst>
-              <a:ext uri="{28A0092B-C50C-407E-A947-70E740481C1C}">
-                <a14:useLocalDpi xmlns:a14="http://schemas.microsoft.com/office/drawing/2010/main" val="0"/>
-              </a:ext>
-            </a:extLst>
-          </a:blip>
-          <a:srcRect/>
-          <a:stretch>
-            <a:fillRect/>
-          </a:stretch>
-        </p:blipFill>
-        <p:spPr bwMode="auto">
-          <a:xfrm>
-            <a:off x="838199" y="365124"/>
-            <a:ext cx="10515599" cy="5991225"/>
-          </a:xfrm>
-          <a:prstGeom prst="rect">
-            <a:avLst/>
-          </a:prstGeom>
-          <a:noFill/>
-          <a:extLst>
-            <a:ext uri="{909E8E84-426E-40DD-AFC4-6F175D3DCCD1}">
-              <a14:hiddenFill xmlns:a14="http://schemas.microsoft.com/office/drawing/2010/main">
-                <a:solidFill>
-                  <a:srgbClr val="FFFFFF"/>
-                </a:solidFill>
-              </a14:hiddenFill>
-            </a:ext>
-          </a:extLst>
-        </p:spPr>
-      </p:pic>
-      <p:sp>
-        <p:nvSpPr>
-          <p:cNvPr id="7" name="TextBox 6">
-            <a:extLst>
-              <a:ext uri="{FF2B5EF4-FFF2-40B4-BE49-F238E27FC236}">
-                <a16:creationId xmlns:a16="http://schemas.microsoft.com/office/drawing/2014/main" id="{36767B27-4C3E-38B8-F22D-E1AEF0DE1189}"/>
-              </a:ext>
-            </a:extLst>
-          </p:cNvPr>
-          <p:cNvSpPr txBox="1"/>
-          <p:nvPr/>
-        </p:nvSpPr>
-        <p:spPr>
-          <a:xfrm>
-            <a:off x="838197" y="501651"/>
-            <a:ext cx="6096000" cy="369332"/>
-          </a:xfrm>
-          <a:prstGeom prst="rect">
-            <a:avLst/>
-          </a:prstGeom>
-          <a:noFill/>
-        </p:spPr>
-        <p:txBody>
-          <a:bodyPr wrap="square">
-            <a:spAutoFit/>
-          </a:bodyPr>
-          <a:lstStyle/>
-          <a:p>
-            <a:r>
-              <a:rPr lang="en-US" b="1" dirty="0">
-                <a:latin typeface="Castellar" panose="020A0402060406010301" pitchFamily="18" charset="0"/>
-              </a:rPr>
-              <a:t>Demo and Visual Presentation</a:t>
-            </a:r>
-            <a:endParaRPr lang="en-IN" b="1" dirty="0">
-              <a:latin typeface="Castellar" panose="020A0402060406010301" pitchFamily="18" charset="0"/>
-            </a:endParaRPr>
-          </a:p>
-        </p:txBody>
-      </p:sp>
-    </p:spTree>
-    <p:extLst>
-      <p:ext uri="{BB962C8B-B14F-4D97-AF65-F5344CB8AC3E}">
-        <p14:creationId xmlns:p14="http://schemas.microsoft.com/office/powerpoint/2010/main" val="655126578"/>
-      </p:ext>
-    </p:extLst>
-  </p:cSld>
-  <p:clrMapOvr>
-    <a:masterClrMapping/>
-  </p:clrMapOvr>
-</p:sld>
-</file>
-
-<file path=ppt/slides/slide8.xml><?xml version="1.0" encoding="utf-8"?>
-<p:sld xmlns:a="http://schemas.openxmlformats.org/drawingml/2006/main" xmlns:r="http://schemas.openxmlformats.org/officeDocument/2006/relationships" xmlns:p="http://schemas.openxmlformats.org/presentationml/2006/main">
-  <p:cSld>
-    <p:spTree>
-      <p:nvGrpSpPr>
-        <p:cNvPr id="1" name=""/>
-        <p:cNvGrpSpPr/>
-        <p:nvPr/>
-      </p:nvGrpSpPr>
-      <p:grpSpPr>
-        <a:xfrm>
-          <a:off x="0" y="0"/>
-          <a:ext cx="0" cy="0"/>
-          <a:chOff x="0" y="0"/>
-          <a:chExt cx="0" cy="0"/>
-        </a:xfrm>
-      </p:grpSpPr>
-      <p:sp>
-        <p:nvSpPr>
-          <p:cNvPr id="2" name="Title 1">
-            <a:extLst>
-              <a:ext uri="{FF2B5EF4-FFF2-40B4-BE49-F238E27FC236}">
-                <a16:creationId xmlns:a16="http://schemas.microsoft.com/office/drawing/2014/main" id="{5EE9F8D2-BB7A-A114-D826-37775F2BB9A5}"/>
-              </a:ext>
-            </a:extLst>
-          </p:cNvPr>
-          <p:cNvSpPr>
-            <a:spLocks noGrp="1"/>
-          </p:cNvSpPr>
-          <p:nvPr>
-            <p:ph type="title"/>
-          </p:nvPr>
-        </p:nvSpPr>
-        <p:spPr/>
-        <p:txBody>
-          <a:bodyPr/>
-          <a:lstStyle/>
-          <a:p>
-            <a:endParaRPr lang="en-US"/>
-          </a:p>
-        </p:txBody>
-      </p:sp>
-      <p:sp>
-        <p:nvSpPr>
-          <p:cNvPr id="3" name="Content Placeholder 2">
-            <a:extLst>
-              <a:ext uri="{FF2B5EF4-FFF2-40B4-BE49-F238E27FC236}">
-                <a16:creationId xmlns:a16="http://schemas.microsoft.com/office/drawing/2014/main" id="{27268FBA-1882-4AA5-8E32-8D02F2829E2F}"/>
-              </a:ext>
-            </a:extLst>
-          </p:cNvPr>
-          <p:cNvSpPr>
-            <a:spLocks noGrp="1"/>
-          </p:cNvSpPr>
-          <p:nvPr>
-            <p:ph idx="1"/>
-          </p:nvPr>
-        </p:nvSpPr>
-        <p:spPr/>
-        <p:txBody>
-          <a:bodyPr/>
-          <a:lstStyle/>
-          <a:p>
-            <a:endParaRPr lang="en-US"/>
-          </a:p>
-        </p:txBody>
-      </p:sp>
-      <p:sp>
-        <p:nvSpPr>
-          <p:cNvPr id="4" name="Date Placeholder 3">
-            <a:extLst>
-              <a:ext uri="{FF2B5EF4-FFF2-40B4-BE49-F238E27FC236}">
-                <a16:creationId xmlns:a16="http://schemas.microsoft.com/office/drawing/2014/main" id="{0A550F56-56C6-620A-6818-76F654E305F0}"/>
-              </a:ext>
-            </a:extLst>
-          </p:cNvPr>
-          <p:cNvSpPr>
-            <a:spLocks noGrp="1"/>
-          </p:cNvSpPr>
-          <p:nvPr>
-            <p:ph type="dt" sz="half" idx="10"/>
-          </p:nvPr>
-        </p:nvSpPr>
-        <p:spPr/>
-        <p:txBody>
-          <a:bodyPr/>
-          <a:lstStyle/>
-          <a:p>
-            <a:fld id="{11A10D73-B1C8-4950-AB52-4280F613E314}" type="datetime1">
-              <a:rPr lang="en-IN" smtClean="0"/>
-              <a:t>14-05-2025</a:t>
-            </a:fld>
-            <a:endParaRPr lang="en-IN"/>
-          </a:p>
-        </p:txBody>
-      </p:sp>
-      <p:sp>
-        <p:nvSpPr>
-          <p:cNvPr id="5" name="Slide Number Placeholder 4">
-            <a:extLst>
-              <a:ext uri="{FF2B5EF4-FFF2-40B4-BE49-F238E27FC236}">
-                <a16:creationId xmlns:a16="http://schemas.microsoft.com/office/drawing/2014/main" id="{312F9D8E-8679-5283-44D5-4D2045347B03}"/>
-              </a:ext>
-            </a:extLst>
-          </p:cNvPr>
-          <p:cNvSpPr>
-            <a:spLocks noGrp="1"/>
-          </p:cNvSpPr>
-          <p:nvPr>
-            <p:ph type="sldNum" sz="quarter" idx="12"/>
-          </p:nvPr>
-        </p:nvSpPr>
-        <p:spPr/>
-        <p:txBody>
-          <a:bodyPr/>
-          <a:lstStyle/>
-          <a:p>
-            <a:fld id="{3CCCCD15-A91D-4933-83FC-B538C647448D}" type="slidenum">
-              <a:rPr lang="en-IN" smtClean="0"/>
-              <a:t>8</a:t>
             </a:fld>
             <a:endParaRPr lang="en-IN"/>
           </a:p>
@@ -6650,10 +6507,271 @@
       </p:sp>
       <p:pic>
         <p:nvPicPr>
+          <p:cNvPr id="10" name="Picture 9">
+            <a:extLst>
+              <a:ext uri="{FF2B5EF4-FFF2-40B4-BE49-F238E27FC236}">
+                <a16:creationId xmlns:a16="http://schemas.microsoft.com/office/drawing/2014/main" id="{576C4925-24CF-6F2A-476C-06700377290E}"/>
+              </a:ext>
+            </a:extLst>
+          </p:cNvPr>
+          <p:cNvPicPr>
+            <a:picLocks noChangeAspect="1"/>
+          </p:cNvPicPr>
+          <p:nvPr/>
+        </p:nvPicPr>
+        <p:blipFill>
+          <a:blip r:embed="rId3"/>
+          <a:stretch>
+            <a:fillRect/>
+          </a:stretch>
+        </p:blipFill>
+        <p:spPr>
+          <a:xfrm>
+            <a:off x="2015613" y="1423264"/>
+            <a:ext cx="8327922" cy="2422994"/>
+          </a:xfrm>
+          <a:prstGeom prst="rect">
+            <a:avLst/>
+          </a:prstGeom>
+        </p:spPr>
+      </p:pic>
+    </p:spTree>
+    <p:extLst>
+      <p:ext uri="{BB962C8B-B14F-4D97-AF65-F5344CB8AC3E}">
+        <p14:creationId xmlns:p14="http://schemas.microsoft.com/office/powerpoint/2010/main" val="1512195436"/>
+      </p:ext>
+    </p:extLst>
+  </p:cSld>
+  <p:clrMapOvr>
+    <a:masterClrMapping/>
+  </p:clrMapOvr>
+</p:sld>
+</file>
+
+<file path=ppt/slides/slide8.xml><?xml version="1.0" encoding="utf-8"?>
+<p:sld xmlns:a="http://schemas.openxmlformats.org/drawingml/2006/main" xmlns:r="http://schemas.openxmlformats.org/officeDocument/2006/relationships" xmlns:p="http://schemas.openxmlformats.org/presentationml/2006/main">
+  <p:cSld>
+    <p:spTree>
+      <p:nvGrpSpPr>
+        <p:cNvPr id="1" name="">
+          <a:extLst>
+            <a:ext uri="{FF2B5EF4-FFF2-40B4-BE49-F238E27FC236}">
+              <a16:creationId xmlns:a16="http://schemas.microsoft.com/office/drawing/2014/main" id="{20003D24-30CE-20BA-39FF-49B1BB85CE24}"/>
+            </a:ext>
+          </a:extLst>
+        </p:cNvPr>
+        <p:cNvGrpSpPr/>
+        <p:nvPr/>
+      </p:nvGrpSpPr>
+      <p:grpSpPr>
+        <a:xfrm>
+          <a:off x="0" y="0"/>
+          <a:ext cx="0" cy="0"/>
+          <a:chOff x="0" y="0"/>
+          <a:chExt cx="0" cy="0"/>
+        </a:xfrm>
+      </p:grpSpPr>
+      <p:sp>
+        <p:nvSpPr>
+          <p:cNvPr id="2" name="Title 1">
+            <a:extLst>
+              <a:ext uri="{FF2B5EF4-FFF2-40B4-BE49-F238E27FC236}">
+                <a16:creationId xmlns:a16="http://schemas.microsoft.com/office/drawing/2014/main" id="{D6565318-658E-AC4F-04A5-B85ABA76EF12}"/>
+              </a:ext>
+            </a:extLst>
+          </p:cNvPr>
+          <p:cNvSpPr>
+            <a:spLocks noGrp="1"/>
+          </p:cNvSpPr>
+          <p:nvPr>
+            <p:ph type="title"/>
+          </p:nvPr>
+        </p:nvSpPr>
+        <p:spPr/>
+        <p:txBody>
+          <a:bodyPr/>
+          <a:lstStyle/>
+          <a:p>
+            <a:endParaRPr lang="en-US"/>
+          </a:p>
+        </p:txBody>
+      </p:sp>
+      <p:sp>
+        <p:nvSpPr>
+          <p:cNvPr id="3" name="Content Placeholder 2">
+            <a:extLst>
+              <a:ext uri="{FF2B5EF4-FFF2-40B4-BE49-F238E27FC236}">
+                <a16:creationId xmlns:a16="http://schemas.microsoft.com/office/drawing/2014/main" id="{2C343BC2-70DD-3787-17BF-8BF31D395AE1}"/>
+              </a:ext>
+            </a:extLst>
+          </p:cNvPr>
+          <p:cNvSpPr>
+            <a:spLocks noGrp="1"/>
+          </p:cNvSpPr>
+          <p:nvPr>
+            <p:ph idx="1"/>
+          </p:nvPr>
+        </p:nvSpPr>
+        <p:spPr/>
+        <p:txBody>
+          <a:bodyPr/>
+          <a:lstStyle/>
+          <a:p>
+            <a:endParaRPr lang="en-US"/>
+          </a:p>
+        </p:txBody>
+      </p:sp>
+      <p:sp>
+        <p:nvSpPr>
+          <p:cNvPr id="4" name="Date Placeholder 3">
+            <a:extLst>
+              <a:ext uri="{FF2B5EF4-FFF2-40B4-BE49-F238E27FC236}">
+                <a16:creationId xmlns:a16="http://schemas.microsoft.com/office/drawing/2014/main" id="{788D1B56-F164-D3E8-66A6-5DE69A4A7F84}"/>
+              </a:ext>
+            </a:extLst>
+          </p:cNvPr>
+          <p:cNvSpPr>
+            <a:spLocks noGrp="1"/>
+          </p:cNvSpPr>
+          <p:nvPr>
+            <p:ph type="dt" sz="half" idx="10"/>
+          </p:nvPr>
+        </p:nvSpPr>
+        <p:spPr/>
+        <p:txBody>
+          <a:bodyPr/>
+          <a:lstStyle/>
+          <a:p>
+            <a:fld id="{11A10D73-B1C8-4950-AB52-4280F613E314}" type="datetime1">
+              <a:rPr lang="en-IN" smtClean="0"/>
+              <a:t>14-05-2025</a:t>
+            </a:fld>
+            <a:endParaRPr lang="en-IN"/>
+          </a:p>
+        </p:txBody>
+      </p:sp>
+      <p:sp>
+        <p:nvSpPr>
+          <p:cNvPr id="5" name="Slide Number Placeholder 4">
+            <a:extLst>
+              <a:ext uri="{FF2B5EF4-FFF2-40B4-BE49-F238E27FC236}">
+                <a16:creationId xmlns:a16="http://schemas.microsoft.com/office/drawing/2014/main" id="{EBA073C0-6921-8EBE-A452-0258A4D3D264}"/>
+              </a:ext>
+            </a:extLst>
+          </p:cNvPr>
+          <p:cNvSpPr>
+            <a:spLocks noGrp="1"/>
+          </p:cNvSpPr>
+          <p:nvPr>
+            <p:ph type="sldNum" sz="quarter" idx="12"/>
+          </p:nvPr>
+        </p:nvSpPr>
+        <p:spPr/>
+        <p:txBody>
+          <a:bodyPr/>
+          <a:lstStyle/>
+          <a:p>
+            <a:fld id="{3CCCCD15-A91D-4933-83FC-B538C647448D}" type="slidenum">
+              <a:rPr lang="en-IN" smtClean="0"/>
+              <a:t>8</a:t>
+            </a:fld>
+            <a:endParaRPr lang="en-IN"/>
+          </a:p>
+        </p:txBody>
+      </p:sp>
+      <p:pic>
+        <p:nvPicPr>
+          <p:cNvPr id="8194" name="Picture 2" descr="White Child Cute Cute Kid Nature Rain Powerpoint Background For Free  Download - Slidesdocs">
+            <a:extLst>
+              <a:ext uri="{FF2B5EF4-FFF2-40B4-BE49-F238E27FC236}">
+                <a16:creationId xmlns:a16="http://schemas.microsoft.com/office/drawing/2014/main" id="{5B4195FD-B28F-116C-1A05-995841243BFF}"/>
+              </a:ext>
+            </a:extLst>
+          </p:cNvPr>
+          <p:cNvPicPr>
+            <a:picLocks noChangeAspect="1" noChangeArrowheads="1"/>
+          </p:cNvPicPr>
+          <p:nvPr/>
+        </p:nvPicPr>
+        <p:blipFill>
+          <a:blip r:embed="rId2">
+            <a:extLst>
+              <a:ext uri="{28A0092B-C50C-407E-A947-70E740481C1C}">
+                <a14:useLocalDpi xmlns:a14="http://schemas.microsoft.com/office/drawing/2010/main" val="0"/>
+              </a:ext>
+            </a:extLst>
+          </a:blip>
+          <a:srcRect/>
+          <a:stretch>
+            <a:fillRect/>
+          </a:stretch>
+        </p:blipFill>
+        <p:spPr bwMode="auto">
+          <a:xfrm>
+            <a:off x="838200" y="365125"/>
+            <a:ext cx="10586884" cy="5811838"/>
+          </a:xfrm>
+          <a:prstGeom prst="rect">
+            <a:avLst/>
+          </a:prstGeom>
+          <a:noFill/>
+          <a:extLst>
+            <a:ext uri="{909E8E84-426E-40DD-AFC4-6F175D3DCCD1}">
+              <a14:hiddenFill xmlns:a14="http://schemas.microsoft.com/office/drawing/2010/main">
+                <a:solidFill>
+                  <a:srgbClr val="FFFFFF"/>
+                </a:solidFill>
+              </a14:hiddenFill>
+            </a:ext>
+          </a:extLst>
+        </p:spPr>
+      </p:pic>
+      <p:sp>
+        <p:nvSpPr>
+          <p:cNvPr id="9" name="TextBox 8">
+            <a:extLst>
+              <a:ext uri="{FF2B5EF4-FFF2-40B4-BE49-F238E27FC236}">
+                <a16:creationId xmlns:a16="http://schemas.microsoft.com/office/drawing/2014/main" id="{305329F1-502E-1469-C67D-0460C4316F11}"/>
+              </a:ext>
+            </a:extLst>
+          </p:cNvPr>
+          <p:cNvSpPr txBox="1"/>
+          <p:nvPr/>
+        </p:nvSpPr>
+        <p:spPr>
+          <a:xfrm>
+            <a:off x="2015613" y="658574"/>
+            <a:ext cx="6096000" cy="369332"/>
+          </a:xfrm>
+          <a:prstGeom prst="rect">
+            <a:avLst/>
+          </a:prstGeom>
+          <a:noFill/>
+        </p:spPr>
+        <p:txBody>
+          <a:bodyPr wrap="square">
+            <a:spAutoFit/>
+          </a:bodyPr>
+          <a:lstStyle/>
+          <a:p>
+            <a:r>
+              <a:rPr lang="en-US" b="1" dirty="0">
+                <a:latin typeface="Castellar" panose="020A0402060406010301" pitchFamily="18" charset="0"/>
+              </a:rPr>
+              <a:t>Final Outcome</a:t>
+            </a:r>
+            <a:endParaRPr lang="en-IN" b="1" dirty="0">
+              <a:latin typeface="Castellar" panose="020A0402060406010301" pitchFamily="18" charset="0"/>
+            </a:endParaRPr>
+          </a:p>
+        </p:txBody>
+      </p:sp>
+      <p:pic>
+        <p:nvPicPr>
           <p:cNvPr id="11" name="Picture 10">
             <a:extLst>
               <a:ext uri="{FF2B5EF4-FFF2-40B4-BE49-F238E27FC236}">
-                <a16:creationId xmlns:a16="http://schemas.microsoft.com/office/drawing/2014/main" id="{A82BCDB0-DFEE-5BF1-5C24-AB760F558B1C}"/>
+                <a16:creationId xmlns:a16="http://schemas.microsoft.com/office/drawing/2014/main" id="{78BC1B0F-094E-9FD7-2D08-91C8681ACE6E}"/>
               </a:ext>
             </a:extLst>
           </p:cNvPr>
@@ -6678,10 +6796,40 @@
           </a:prstGeom>
         </p:spPr>
       </p:pic>
+      <p:pic>
+        <p:nvPicPr>
+          <p:cNvPr id="7" name="Picture 6">
+            <a:extLst>
+              <a:ext uri="{FF2B5EF4-FFF2-40B4-BE49-F238E27FC236}">
+                <a16:creationId xmlns:a16="http://schemas.microsoft.com/office/drawing/2014/main" id="{18CD59B7-98ED-6610-4E5F-B4FE3A0A7DC1}"/>
+              </a:ext>
+            </a:extLst>
+          </p:cNvPr>
+          <p:cNvPicPr>
+            <a:picLocks noChangeAspect="1"/>
+          </p:cNvPicPr>
+          <p:nvPr/>
+        </p:nvPicPr>
+        <p:blipFill>
+          <a:blip r:embed="rId4"/>
+          <a:stretch>
+            <a:fillRect/>
+          </a:stretch>
+        </p:blipFill>
+        <p:spPr>
+          <a:xfrm>
+            <a:off x="2241755" y="3491030"/>
+            <a:ext cx="7895304" cy="2335301"/>
+          </a:xfrm>
+          <a:prstGeom prst="rect">
+            <a:avLst/>
+          </a:prstGeom>
+        </p:spPr>
+      </p:pic>
     </p:spTree>
     <p:extLst>
       <p:ext uri="{BB962C8B-B14F-4D97-AF65-F5344CB8AC3E}">
-        <p14:creationId xmlns:p14="http://schemas.microsoft.com/office/powerpoint/2010/main" val="1512195436"/>
+        <p14:creationId xmlns:p14="http://schemas.microsoft.com/office/powerpoint/2010/main" val="1867568153"/>
       </p:ext>
     </p:extLst>
   </p:cSld>
